--- a/trunk/03_iteraciones/6ta_iteracion/Manuales/Manual de Usuario/Metalsoft_Interfaces/Interfaces_Inicio.pptx
+++ b/trunk/03_iteraciones/6ta_iteracion/Manuales/Manual de Usuario/Metalsoft_Interfaces/Interfaces_Inicio.pptx
@@ -20,6 +20,10 @@
     <p:sldId id="269" r:id="rId14"/>
     <p:sldId id="270" r:id="rId15"/>
     <p:sldId id="271" r:id="rId16"/>
+    <p:sldId id="272" r:id="rId17"/>
+    <p:sldId id="273" r:id="rId18"/>
+    <p:sldId id="274" r:id="rId19"/>
+    <p:sldId id="275" r:id="rId20"/>
   </p:sldIdLst>
   <p:sldSz cx="9144000" cy="6858000" type="screen4x3"/>
   <p:notesSz cx="6858000" cy="9144000"/>
@@ -3685,11 +3689,7 @@
               <a:pPr algn="ctr"/>
               <a:r>
                 <a:rPr lang="es-AR" b="1" dirty="0" smtClean="0"/>
-                <a:t>4</a:t>
-              </a:r>
-              <a:r>
-                <a:rPr lang="es-AR" b="1" dirty="0" smtClean="0"/>
-                <a:t>.</a:t>
+                <a:t>4.</a:t>
               </a:r>
               <a:endParaRPr lang="es-AR" b="1" dirty="0"/>
             </a:p>
@@ -3757,11 +3757,7 @@
               <a:pPr algn="ctr"/>
               <a:r>
                 <a:rPr lang="es-AR" b="1" dirty="0" smtClean="0"/>
-                <a:t>3</a:t>
-              </a:r>
-              <a:r>
-                <a:rPr lang="es-AR" b="1" dirty="0" smtClean="0"/>
-                <a:t>.</a:t>
+                <a:t>3.</a:t>
               </a:r>
               <a:endParaRPr lang="es-AR" b="1" dirty="0"/>
             </a:p>
@@ -3829,11 +3825,7 @@
               <a:pPr algn="ctr"/>
               <a:r>
                 <a:rPr lang="es-AR" b="1" dirty="0" smtClean="0"/>
-                <a:t>2</a:t>
-              </a:r>
-              <a:r>
-                <a:rPr lang="es-AR" b="1" dirty="0" smtClean="0"/>
-                <a:t>.</a:t>
+                <a:t>2.</a:t>
               </a:r>
               <a:endParaRPr lang="es-AR" b="1" dirty="0"/>
             </a:p>
@@ -4015,11 +4007,7 @@
               <a:pPr algn="ctr"/>
               <a:r>
                 <a:rPr lang="es-AR" b="1" dirty="0" smtClean="0"/>
-                <a:t>5</a:t>
-              </a:r>
-              <a:r>
-                <a:rPr lang="es-AR" b="1" dirty="0" smtClean="0"/>
-                <a:t>.</a:t>
+                <a:t>5.</a:t>
               </a:r>
               <a:endParaRPr lang="es-AR" b="1" dirty="0"/>
             </a:p>
@@ -4159,11 +4147,7 @@
               <a:pPr algn="ctr"/>
               <a:r>
                 <a:rPr lang="es-AR" b="1" dirty="0" smtClean="0"/>
-                <a:t>2</a:t>
-              </a:r>
-              <a:r>
-                <a:rPr lang="es-AR" b="1" dirty="0" smtClean="0"/>
-                <a:t>.</a:t>
+                <a:t>2.</a:t>
               </a:r>
               <a:endParaRPr lang="es-AR" b="1" dirty="0"/>
             </a:p>
@@ -4463,11 +4447,7 @@
               <a:pPr algn="ctr"/>
               <a:r>
                 <a:rPr lang="es-AR" b="1" dirty="0" smtClean="0"/>
-                <a:t>2</a:t>
-              </a:r>
-              <a:r>
-                <a:rPr lang="es-AR" b="1" dirty="0" smtClean="0"/>
-                <a:t>.</a:t>
+                <a:t>2.</a:t>
               </a:r>
               <a:endParaRPr lang="es-AR" b="1" dirty="0"/>
             </a:p>
@@ -4675,11 +4655,7 @@
               <a:pPr algn="ctr"/>
               <a:r>
                 <a:rPr lang="es-AR" b="1" dirty="0" smtClean="0"/>
-                <a:t>4</a:t>
-              </a:r>
-              <a:r>
-                <a:rPr lang="es-AR" b="1" dirty="0" smtClean="0"/>
-                <a:t>.</a:t>
+                <a:t>4.</a:t>
               </a:r>
               <a:endParaRPr lang="es-AR" b="1" dirty="0"/>
             </a:p>
@@ -4747,11 +4723,7 @@
               <a:pPr algn="ctr"/>
               <a:r>
                 <a:rPr lang="es-AR" b="1" dirty="0" smtClean="0"/>
-                <a:t>3</a:t>
-              </a:r>
-              <a:r>
-                <a:rPr lang="es-AR" b="1" dirty="0" smtClean="0"/>
-                <a:t>.</a:t>
+                <a:t>3.</a:t>
               </a:r>
               <a:endParaRPr lang="es-AR" b="1" dirty="0"/>
             </a:p>
@@ -4865,11 +4837,7 @@
               <a:pPr algn="ctr"/>
               <a:r>
                 <a:rPr lang="es-AR" b="1" dirty="0" smtClean="0"/>
-                <a:t>2</a:t>
-              </a:r>
-              <a:r>
-                <a:rPr lang="es-AR" b="1" dirty="0" smtClean="0"/>
-                <a:t>.</a:t>
+                <a:t>2.</a:t>
               </a:r>
               <a:endParaRPr lang="es-AR" b="1" dirty="0"/>
             </a:p>
@@ -5006,11 +4974,7 @@
             <a:pPr algn="ctr"/>
             <a:r>
               <a:rPr lang="es-AR" b="1" dirty="0" smtClean="0"/>
-              <a:t>4</a:t>
-            </a:r>
-            <a:r>
-              <a:rPr lang="es-AR" b="1" dirty="0" smtClean="0"/>
-              <a:t>.</a:t>
+              <a:t>4.</a:t>
             </a:r>
             <a:endParaRPr lang="es-AR" b="1" dirty="0"/>
           </a:p>
@@ -5078,11 +5042,7 @@
             <a:pPr algn="ctr"/>
             <a:r>
               <a:rPr lang="es-AR" b="1" dirty="0" smtClean="0"/>
-              <a:t>3</a:t>
-            </a:r>
-            <a:r>
-              <a:rPr lang="es-AR" b="1" dirty="0" smtClean="0"/>
-              <a:t>.</a:t>
+              <a:t>3.</a:t>
             </a:r>
             <a:endParaRPr lang="es-AR" b="1" dirty="0"/>
           </a:p>
@@ -5196,11 +5156,7 @@
             <a:pPr algn="ctr"/>
             <a:r>
               <a:rPr lang="es-AR" b="1" dirty="0" smtClean="0"/>
-              <a:t>5</a:t>
-            </a:r>
-            <a:r>
-              <a:rPr lang="es-AR" b="1" dirty="0" smtClean="0"/>
-              <a:t>.</a:t>
+              <a:t>5.</a:t>
             </a:r>
             <a:endParaRPr lang="es-AR" b="1" dirty="0"/>
           </a:p>
@@ -5301,7 +5257,7 @@
       </p:grpSpPr>
       <p:grpSp>
         <p:nvGrpSpPr>
-          <p:cNvPr id="16" name="15 Grupo"/>
+          <p:cNvPr id="6" name="5 Grupo"/>
           <p:cNvGrpSpPr/>
           <p:nvPr/>
         </p:nvGrpSpPr>
@@ -5456,6 +5412,988 @@
             <a:p>
               <a:pPr algn="ctr"/>
               <a:endParaRPr lang="es-AR"/>
+            </a:p>
+          </p:txBody>
+        </p:sp>
+      </p:grpSp>
+    </p:spTree>
+  </p:cSld>
+  <p:clrMapOvr>
+    <a:masterClrMapping/>
+  </p:clrMapOvr>
+</p:sld>
+</file>
+
+<file path=ppt/slides/slide16.xml><?xml version="1.0" encoding="utf-8"?>
+<p:sld xmlns:a="http://schemas.openxmlformats.org/drawingml/2006/main" xmlns:r="http://schemas.openxmlformats.org/officeDocument/2006/relationships" xmlns:p="http://schemas.openxmlformats.org/presentationml/2006/main">
+  <p:cSld>
+    <p:spTree>
+      <p:nvGrpSpPr>
+        <p:cNvPr id="1" name=""/>
+        <p:cNvGrpSpPr/>
+        <p:nvPr/>
+      </p:nvGrpSpPr>
+      <p:grpSpPr>
+        <a:xfrm>
+          <a:off x="0" y="0"/>
+          <a:ext cx="0" cy="0"/>
+          <a:chOff x="0" y="0"/>
+          <a:chExt cx="0" cy="0"/>
+        </a:xfrm>
+      </p:grpSpPr>
+      <p:grpSp>
+        <p:nvGrpSpPr>
+          <p:cNvPr id="12" name="11 Grupo"/>
+          <p:cNvGrpSpPr/>
+          <p:nvPr/>
+        </p:nvGrpSpPr>
+        <p:grpSpPr>
+          <a:xfrm>
+            <a:off x="-1980728" y="-28575"/>
+            <a:ext cx="12992100" cy="6915150"/>
+            <a:chOff x="-1980728" y="-28575"/>
+            <a:chExt cx="12992100" cy="6915150"/>
+          </a:xfrm>
+        </p:grpSpPr>
+        <p:pic>
+          <p:nvPicPr>
+            <p:cNvPr id="1027" name="Picture 3"/>
+            <p:cNvPicPr>
+              <a:picLocks noChangeAspect="1" noChangeArrowheads="1"/>
+            </p:cNvPicPr>
+            <p:nvPr/>
+          </p:nvPicPr>
+          <p:blipFill>
+            <a:blip r:embed="rId2" cstate="print"/>
+            <a:srcRect/>
+            <a:stretch>
+              <a:fillRect/>
+            </a:stretch>
+          </p:blipFill>
+          <p:spPr bwMode="auto">
+            <a:xfrm>
+              <a:off x="-1980728" y="-28575"/>
+              <a:ext cx="12992100" cy="6915150"/>
+            </a:xfrm>
+            <a:prstGeom prst="rect">
+              <a:avLst/>
+            </a:prstGeom>
+            <a:noFill/>
+            <a:ln w="9525">
+              <a:noFill/>
+              <a:miter lim="800000"/>
+              <a:headEnd/>
+              <a:tailEnd/>
+            </a:ln>
+          </p:spPr>
+        </p:pic>
+        <p:sp>
+          <p:nvSpPr>
+            <p:cNvPr id="6" name="5 Rectángulo"/>
+            <p:cNvSpPr/>
+            <p:nvPr/>
+          </p:nvSpPr>
+          <p:spPr>
+            <a:xfrm>
+              <a:off x="3923928" y="764704"/>
+              <a:ext cx="360040" cy="432048"/>
+            </a:xfrm>
+            <a:prstGeom prst="rect">
+              <a:avLst/>
+            </a:prstGeom>
+            <a:solidFill>
+              <a:srgbClr val="92D050"/>
+            </a:solidFill>
+            <a:ln>
+              <a:noFill/>
+            </a:ln>
+            <a:effectLst>
+              <a:outerShdw blurRad="50800" dist="38100" dir="5400000" algn="t" rotWithShape="0">
+                <a:prstClr val="black">
+                  <a:alpha val="40000"/>
+                </a:prstClr>
+              </a:outerShdw>
+            </a:effectLst>
+            <a:scene3d>
+              <a:camera prst="orthographicFront">
+                <a:rot lat="0" lon="0" rev="0"/>
+              </a:camera>
+              <a:lightRig rig="contrasting" dir="t">
+                <a:rot lat="0" lon="0" rev="1500000"/>
+              </a:lightRig>
+            </a:scene3d>
+            <a:sp3d prstMaterial="metal">
+              <a:bevelT w="88900" h="88900"/>
+            </a:sp3d>
+          </p:spPr>
+          <p:style>
+            <a:lnRef idx="2">
+              <a:schemeClr val="accent1">
+                <a:shade val="50000"/>
+              </a:schemeClr>
+            </a:lnRef>
+            <a:fillRef idx="1">
+              <a:schemeClr val="accent1"/>
+            </a:fillRef>
+            <a:effectRef idx="0">
+              <a:schemeClr val="accent1"/>
+            </a:effectRef>
+            <a:fontRef idx="minor">
+              <a:schemeClr val="lt1"/>
+            </a:fontRef>
+          </p:style>
+          <p:txBody>
+            <a:bodyPr rtlCol="0" anchor="ctr"/>
+            <a:lstStyle/>
+            <a:p>
+              <a:pPr algn="ctr"/>
+              <a:r>
+                <a:rPr lang="es-AR" b="1" dirty="0" smtClean="0"/>
+                <a:t>3</a:t>
+              </a:r>
+              <a:r>
+                <a:rPr lang="es-AR" b="1" dirty="0" smtClean="0"/>
+                <a:t>.</a:t>
+              </a:r>
+              <a:endParaRPr lang="es-AR" b="1" dirty="0"/>
+            </a:p>
+          </p:txBody>
+        </p:sp>
+        <p:sp>
+          <p:nvSpPr>
+            <p:cNvPr id="7" name="6 Rectángulo redondeado"/>
+            <p:cNvSpPr/>
+            <p:nvPr/>
+          </p:nvSpPr>
+          <p:spPr>
+            <a:xfrm>
+              <a:off x="-1908720" y="1196752"/>
+              <a:ext cx="12313368" cy="4104456"/>
+            </a:xfrm>
+            <a:prstGeom prst="roundRect">
+              <a:avLst>
+                <a:gd name="adj" fmla="val 10155"/>
+              </a:avLst>
+            </a:prstGeom>
+            <a:noFill/>
+            <a:ln w="50800">
+              <a:solidFill>
+                <a:srgbClr val="92D050"/>
+              </a:solidFill>
+            </a:ln>
+          </p:spPr>
+          <p:style>
+            <a:lnRef idx="2">
+              <a:schemeClr val="accent1">
+                <a:shade val="50000"/>
+              </a:schemeClr>
+            </a:lnRef>
+            <a:fillRef idx="1">
+              <a:schemeClr val="accent1"/>
+            </a:fillRef>
+            <a:effectRef idx="0">
+              <a:schemeClr val="accent1"/>
+            </a:effectRef>
+            <a:fontRef idx="minor">
+              <a:schemeClr val="lt1"/>
+            </a:fontRef>
+          </p:style>
+          <p:txBody>
+            <a:bodyPr rtlCol="0" anchor="ctr"/>
+            <a:lstStyle/>
+            <a:p>
+              <a:pPr algn="ctr"/>
+              <a:endParaRPr lang="es-AR"/>
+            </a:p>
+          </p:txBody>
+        </p:sp>
+        <p:sp>
+          <p:nvSpPr>
+            <p:cNvPr id="8" name="7 Rectángulo"/>
+            <p:cNvSpPr/>
+            <p:nvPr/>
+          </p:nvSpPr>
+          <p:spPr>
+            <a:xfrm>
+              <a:off x="2483768" y="620688"/>
+              <a:ext cx="360040" cy="432048"/>
+            </a:xfrm>
+            <a:prstGeom prst="rect">
+              <a:avLst/>
+            </a:prstGeom>
+            <a:solidFill>
+              <a:srgbClr val="92D050"/>
+            </a:solidFill>
+            <a:ln>
+              <a:noFill/>
+            </a:ln>
+            <a:effectLst>
+              <a:outerShdw blurRad="50800" dist="38100" dir="5400000" algn="t" rotWithShape="0">
+                <a:prstClr val="black">
+                  <a:alpha val="40000"/>
+                </a:prstClr>
+              </a:outerShdw>
+            </a:effectLst>
+            <a:scene3d>
+              <a:camera prst="orthographicFront">
+                <a:rot lat="0" lon="0" rev="0"/>
+              </a:camera>
+              <a:lightRig rig="contrasting" dir="t">
+                <a:rot lat="0" lon="0" rev="1500000"/>
+              </a:lightRig>
+            </a:scene3d>
+            <a:sp3d prstMaterial="metal">
+              <a:bevelT w="88900" h="88900"/>
+            </a:sp3d>
+          </p:spPr>
+          <p:style>
+            <a:lnRef idx="2">
+              <a:schemeClr val="accent1">
+                <a:shade val="50000"/>
+              </a:schemeClr>
+            </a:lnRef>
+            <a:fillRef idx="1">
+              <a:schemeClr val="accent1"/>
+            </a:fillRef>
+            <a:effectRef idx="0">
+              <a:schemeClr val="accent1"/>
+            </a:effectRef>
+            <a:fontRef idx="minor">
+              <a:schemeClr val="lt1"/>
+            </a:fontRef>
+          </p:style>
+          <p:txBody>
+            <a:bodyPr rtlCol="0" anchor="ctr"/>
+            <a:lstStyle/>
+            <a:p>
+              <a:pPr algn="ctr"/>
+              <a:r>
+                <a:rPr lang="es-AR" b="1" dirty="0" smtClean="0"/>
+                <a:t>1.</a:t>
+              </a:r>
+              <a:endParaRPr lang="es-AR" b="1" dirty="0"/>
+            </a:p>
+          </p:txBody>
+        </p:sp>
+        <p:sp>
+          <p:nvSpPr>
+            <p:cNvPr id="9" name="8 Rectángulo redondeado"/>
+            <p:cNvSpPr/>
+            <p:nvPr/>
+          </p:nvSpPr>
+          <p:spPr>
+            <a:xfrm>
+              <a:off x="-1908720" y="548680"/>
+              <a:ext cx="4176464" cy="432048"/>
+            </a:xfrm>
+            <a:prstGeom prst="roundRect">
+              <a:avLst/>
+            </a:prstGeom>
+            <a:noFill/>
+            <a:ln w="50800">
+              <a:solidFill>
+                <a:srgbClr val="92D050"/>
+              </a:solidFill>
+            </a:ln>
+          </p:spPr>
+          <p:style>
+            <a:lnRef idx="2">
+              <a:schemeClr val="accent1">
+                <a:shade val="50000"/>
+              </a:schemeClr>
+            </a:lnRef>
+            <a:fillRef idx="1">
+              <a:schemeClr val="accent1"/>
+            </a:fillRef>
+            <a:effectRef idx="0">
+              <a:schemeClr val="accent1"/>
+            </a:effectRef>
+            <a:fontRef idx="minor">
+              <a:schemeClr val="lt1"/>
+            </a:fontRef>
+          </p:style>
+          <p:txBody>
+            <a:bodyPr rtlCol="0" anchor="ctr"/>
+            <a:lstStyle/>
+            <a:p>
+              <a:pPr algn="ctr"/>
+              <a:endParaRPr lang="es-AR"/>
+            </a:p>
+          </p:txBody>
+        </p:sp>
+        <p:sp>
+          <p:nvSpPr>
+            <p:cNvPr id="10" name="9 Rectángulo"/>
+            <p:cNvSpPr/>
+            <p:nvPr/>
+          </p:nvSpPr>
+          <p:spPr>
+            <a:xfrm>
+              <a:off x="6660232" y="0"/>
+              <a:ext cx="360040" cy="432048"/>
+            </a:xfrm>
+            <a:prstGeom prst="rect">
+              <a:avLst/>
+            </a:prstGeom>
+            <a:solidFill>
+              <a:srgbClr val="92D050"/>
+            </a:solidFill>
+            <a:ln>
+              <a:noFill/>
+            </a:ln>
+            <a:effectLst>
+              <a:outerShdw blurRad="50800" dist="38100" dir="5400000" algn="t" rotWithShape="0">
+                <a:prstClr val="black">
+                  <a:alpha val="40000"/>
+                </a:prstClr>
+              </a:outerShdw>
+            </a:effectLst>
+            <a:scene3d>
+              <a:camera prst="orthographicFront">
+                <a:rot lat="0" lon="0" rev="0"/>
+              </a:camera>
+              <a:lightRig rig="contrasting" dir="t">
+                <a:rot lat="0" lon="0" rev="1500000"/>
+              </a:lightRig>
+            </a:scene3d>
+            <a:sp3d prstMaterial="metal">
+              <a:bevelT w="88900" h="88900"/>
+            </a:sp3d>
+          </p:spPr>
+          <p:style>
+            <a:lnRef idx="2">
+              <a:schemeClr val="accent1">
+                <a:shade val="50000"/>
+              </a:schemeClr>
+            </a:lnRef>
+            <a:fillRef idx="1">
+              <a:schemeClr val="accent1"/>
+            </a:fillRef>
+            <a:effectRef idx="0">
+              <a:schemeClr val="accent1"/>
+            </a:effectRef>
+            <a:fontRef idx="minor">
+              <a:schemeClr val="lt1"/>
+            </a:fontRef>
+          </p:style>
+          <p:txBody>
+            <a:bodyPr rtlCol="0" anchor="ctr"/>
+            <a:lstStyle/>
+            <a:p>
+              <a:pPr algn="ctr"/>
+              <a:r>
+                <a:rPr lang="es-AR" b="1" dirty="0" smtClean="0"/>
+                <a:t>2</a:t>
+              </a:r>
+              <a:r>
+                <a:rPr lang="es-AR" b="1" dirty="0" smtClean="0"/>
+                <a:t>.</a:t>
+              </a:r>
+              <a:endParaRPr lang="es-AR" b="1" dirty="0"/>
+            </a:p>
+          </p:txBody>
+        </p:sp>
+        <p:sp>
+          <p:nvSpPr>
+            <p:cNvPr id="11" name="10 Rectángulo redondeado"/>
+            <p:cNvSpPr/>
+            <p:nvPr/>
+          </p:nvSpPr>
+          <p:spPr>
+            <a:xfrm>
+              <a:off x="-1908720" y="0"/>
+              <a:ext cx="8424936" cy="548680"/>
+            </a:xfrm>
+            <a:prstGeom prst="roundRect">
+              <a:avLst/>
+            </a:prstGeom>
+            <a:noFill/>
+            <a:ln w="50800">
+              <a:solidFill>
+                <a:srgbClr val="92D050"/>
+              </a:solidFill>
+            </a:ln>
+          </p:spPr>
+          <p:style>
+            <a:lnRef idx="2">
+              <a:schemeClr val="accent1">
+                <a:shade val="50000"/>
+              </a:schemeClr>
+            </a:lnRef>
+            <a:fillRef idx="1">
+              <a:schemeClr val="accent1"/>
+            </a:fillRef>
+            <a:effectRef idx="0">
+              <a:schemeClr val="accent1"/>
+            </a:effectRef>
+            <a:fontRef idx="minor">
+              <a:schemeClr val="lt1"/>
+            </a:fontRef>
+          </p:style>
+          <p:txBody>
+            <a:bodyPr rtlCol="0" anchor="ctr"/>
+            <a:lstStyle/>
+            <a:p>
+              <a:pPr algn="ctr"/>
+              <a:endParaRPr lang="es-AR"/>
+            </a:p>
+          </p:txBody>
+        </p:sp>
+      </p:grpSp>
+    </p:spTree>
+  </p:cSld>
+  <p:clrMapOvr>
+    <a:masterClrMapping/>
+  </p:clrMapOvr>
+</p:sld>
+</file>
+
+<file path=ppt/slides/slide17.xml><?xml version="1.0" encoding="utf-8"?>
+<p:sld xmlns:a="http://schemas.openxmlformats.org/drawingml/2006/main" xmlns:r="http://schemas.openxmlformats.org/officeDocument/2006/relationships" xmlns:p="http://schemas.openxmlformats.org/presentationml/2006/main">
+  <p:cSld>
+    <p:spTree>
+      <p:nvGrpSpPr>
+        <p:cNvPr id="1" name=""/>
+        <p:cNvGrpSpPr/>
+        <p:nvPr/>
+      </p:nvGrpSpPr>
+      <p:grpSpPr>
+        <a:xfrm>
+          <a:off x="0" y="0"/>
+          <a:ext cx="0" cy="0"/>
+          <a:chOff x="0" y="0"/>
+          <a:chExt cx="0" cy="0"/>
+        </a:xfrm>
+      </p:grpSpPr>
+      <p:grpSp>
+        <p:nvGrpSpPr>
+          <p:cNvPr id="7" name="6 Grupo"/>
+          <p:cNvGrpSpPr/>
+          <p:nvPr/>
+        </p:nvGrpSpPr>
+        <p:grpSpPr>
+          <a:xfrm>
+            <a:off x="0" y="0"/>
+            <a:ext cx="12982575" cy="6924675"/>
+            <a:chOff x="0" y="0"/>
+            <a:chExt cx="12982575" cy="6924675"/>
+          </a:xfrm>
+        </p:grpSpPr>
+        <p:pic>
+          <p:nvPicPr>
+            <p:cNvPr id="2050" name="Picture 2"/>
+            <p:cNvPicPr>
+              <a:picLocks noChangeAspect="1" noChangeArrowheads="1"/>
+            </p:cNvPicPr>
+            <p:nvPr/>
+          </p:nvPicPr>
+          <p:blipFill>
+            <a:blip r:embed="rId2" cstate="print"/>
+            <a:srcRect/>
+            <a:stretch>
+              <a:fillRect/>
+            </a:stretch>
+          </p:blipFill>
+          <p:spPr bwMode="auto">
+            <a:xfrm>
+              <a:off x="0" y="0"/>
+              <a:ext cx="12982575" cy="6924675"/>
+            </a:xfrm>
+            <a:prstGeom prst="rect">
+              <a:avLst/>
+            </a:prstGeom>
+            <a:noFill/>
+            <a:ln w="9525">
+              <a:noFill/>
+              <a:miter lim="800000"/>
+              <a:headEnd/>
+              <a:tailEnd/>
+            </a:ln>
+          </p:spPr>
+        </p:pic>
+        <p:sp>
+          <p:nvSpPr>
+            <p:cNvPr id="5" name="4 Rectángulo redondeado"/>
+            <p:cNvSpPr/>
+            <p:nvPr/>
+          </p:nvSpPr>
+          <p:spPr>
+            <a:xfrm>
+              <a:off x="0" y="260648"/>
+              <a:ext cx="1331640" cy="1080120"/>
+            </a:xfrm>
+            <a:prstGeom prst="roundRect">
+              <a:avLst/>
+            </a:prstGeom>
+            <a:noFill/>
+            <a:ln w="50800">
+              <a:solidFill>
+                <a:srgbClr val="92D050"/>
+              </a:solidFill>
+            </a:ln>
+          </p:spPr>
+          <p:style>
+            <a:lnRef idx="2">
+              <a:schemeClr val="accent1">
+                <a:shade val="50000"/>
+              </a:schemeClr>
+            </a:lnRef>
+            <a:fillRef idx="1">
+              <a:schemeClr val="accent1"/>
+            </a:fillRef>
+            <a:effectRef idx="0">
+              <a:schemeClr val="accent1"/>
+            </a:effectRef>
+            <a:fontRef idx="minor">
+              <a:schemeClr val="lt1"/>
+            </a:fontRef>
+          </p:style>
+          <p:txBody>
+            <a:bodyPr rtlCol="0" anchor="ctr"/>
+            <a:lstStyle/>
+            <a:p>
+              <a:pPr algn="ctr"/>
+              <a:endParaRPr lang="es-AR"/>
+            </a:p>
+          </p:txBody>
+        </p:sp>
+        <p:sp>
+          <p:nvSpPr>
+            <p:cNvPr id="6" name="5 Rectángulo"/>
+            <p:cNvSpPr/>
+            <p:nvPr/>
+          </p:nvSpPr>
+          <p:spPr>
+            <a:xfrm>
+              <a:off x="1475656" y="620688"/>
+              <a:ext cx="360040" cy="432048"/>
+            </a:xfrm>
+            <a:prstGeom prst="rect">
+              <a:avLst/>
+            </a:prstGeom>
+            <a:solidFill>
+              <a:srgbClr val="92D050"/>
+            </a:solidFill>
+            <a:ln>
+              <a:noFill/>
+            </a:ln>
+            <a:effectLst>
+              <a:outerShdw blurRad="50800" dist="38100" dir="5400000" algn="t" rotWithShape="0">
+                <a:prstClr val="black">
+                  <a:alpha val="40000"/>
+                </a:prstClr>
+              </a:outerShdw>
+            </a:effectLst>
+            <a:scene3d>
+              <a:camera prst="orthographicFront">
+                <a:rot lat="0" lon="0" rev="0"/>
+              </a:camera>
+              <a:lightRig rig="contrasting" dir="t">
+                <a:rot lat="0" lon="0" rev="1500000"/>
+              </a:lightRig>
+            </a:scene3d>
+            <a:sp3d prstMaterial="metal">
+              <a:bevelT w="88900" h="88900"/>
+            </a:sp3d>
+          </p:spPr>
+          <p:style>
+            <a:lnRef idx="2">
+              <a:schemeClr val="accent1">
+                <a:shade val="50000"/>
+              </a:schemeClr>
+            </a:lnRef>
+            <a:fillRef idx="1">
+              <a:schemeClr val="accent1"/>
+            </a:fillRef>
+            <a:effectRef idx="0">
+              <a:schemeClr val="accent1"/>
+            </a:effectRef>
+            <a:fontRef idx="minor">
+              <a:schemeClr val="lt1"/>
+            </a:fontRef>
+          </p:style>
+          <p:txBody>
+            <a:bodyPr rtlCol="0" anchor="ctr"/>
+            <a:lstStyle/>
+            <a:p>
+              <a:pPr algn="ctr"/>
+              <a:r>
+                <a:rPr lang="es-AR" b="1" dirty="0" smtClean="0"/>
+                <a:t>1.</a:t>
+              </a:r>
+              <a:endParaRPr lang="es-AR" b="1" dirty="0"/>
+            </a:p>
+          </p:txBody>
+        </p:sp>
+      </p:grpSp>
+    </p:spTree>
+  </p:cSld>
+  <p:clrMapOvr>
+    <a:masterClrMapping/>
+  </p:clrMapOvr>
+</p:sld>
+</file>
+
+<file path=ppt/slides/slide18.xml><?xml version="1.0" encoding="utf-8"?>
+<p:sld xmlns:a="http://schemas.openxmlformats.org/drawingml/2006/main" xmlns:r="http://schemas.openxmlformats.org/officeDocument/2006/relationships" xmlns:p="http://schemas.openxmlformats.org/presentationml/2006/main">
+  <p:cSld>
+    <p:spTree>
+      <p:nvGrpSpPr>
+        <p:cNvPr id="1" name=""/>
+        <p:cNvGrpSpPr/>
+        <p:nvPr/>
+      </p:nvGrpSpPr>
+      <p:grpSpPr>
+        <a:xfrm>
+          <a:off x="0" y="0"/>
+          <a:ext cx="0" cy="0"/>
+          <a:chOff x="0" y="0"/>
+          <a:chExt cx="0" cy="0"/>
+        </a:xfrm>
+      </p:grpSpPr>
+      <p:grpSp>
+        <p:nvGrpSpPr>
+          <p:cNvPr id="8" name="7 Grupo"/>
+          <p:cNvGrpSpPr/>
+          <p:nvPr/>
+        </p:nvGrpSpPr>
+        <p:grpSpPr>
+          <a:xfrm>
+            <a:off x="-1919288" y="-42863"/>
+            <a:ext cx="12982576" cy="6943726"/>
+            <a:chOff x="-1919288" y="-42863"/>
+            <a:chExt cx="12982576" cy="6943726"/>
+          </a:xfrm>
+        </p:grpSpPr>
+        <p:pic>
+          <p:nvPicPr>
+            <p:cNvPr id="3075" name="Picture 3"/>
+            <p:cNvPicPr>
+              <a:picLocks noChangeAspect="1" noChangeArrowheads="1"/>
+            </p:cNvPicPr>
+            <p:nvPr/>
+          </p:nvPicPr>
+          <p:blipFill>
+            <a:blip r:embed="rId2" cstate="print"/>
+            <a:srcRect/>
+            <a:stretch>
+              <a:fillRect/>
+            </a:stretch>
+          </p:blipFill>
+          <p:spPr bwMode="auto">
+            <a:xfrm>
+              <a:off x="-1919288" y="-42863"/>
+              <a:ext cx="12982576" cy="6943726"/>
+            </a:xfrm>
+            <a:prstGeom prst="rect">
+              <a:avLst/>
+            </a:prstGeom>
+            <a:noFill/>
+            <a:ln w="9525">
+              <a:noFill/>
+              <a:miter lim="800000"/>
+              <a:headEnd/>
+              <a:tailEnd/>
+            </a:ln>
+          </p:spPr>
+        </p:pic>
+        <p:sp>
+          <p:nvSpPr>
+            <p:cNvPr id="6" name="5 Rectángulo redondeado"/>
+            <p:cNvSpPr/>
+            <p:nvPr/>
+          </p:nvSpPr>
+          <p:spPr>
+            <a:xfrm>
+              <a:off x="-972616" y="188640"/>
+              <a:ext cx="2016224" cy="1152128"/>
+            </a:xfrm>
+            <a:prstGeom prst="roundRect">
+              <a:avLst/>
+            </a:prstGeom>
+            <a:noFill/>
+            <a:ln w="50800">
+              <a:solidFill>
+                <a:srgbClr val="92D050"/>
+              </a:solidFill>
+            </a:ln>
+          </p:spPr>
+          <p:style>
+            <a:lnRef idx="2">
+              <a:schemeClr val="accent1">
+                <a:shade val="50000"/>
+              </a:schemeClr>
+            </a:lnRef>
+            <a:fillRef idx="1">
+              <a:schemeClr val="accent1"/>
+            </a:fillRef>
+            <a:effectRef idx="0">
+              <a:schemeClr val="accent1"/>
+            </a:effectRef>
+            <a:fontRef idx="minor">
+              <a:schemeClr val="lt1"/>
+            </a:fontRef>
+          </p:style>
+          <p:txBody>
+            <a:bodyPr rtlCol="0" anchor="ctr"/>
+            <a:lstStyle/>
+            <a:p>
+              <a:pPr algn="ctr"/>
+              <a:endParaRPr lang="es-AR"/>
+            </a:p>
+          </p:txBody>
+        </p:sp>
+        <p:sp>
+          <p:nvSpPr>
+            <p:cNvPr id="7" name="6 Rectángulo"/>
+            <p:cNvSpPr/>
+            <p:nvPr/>
+          </p:nvSpPr>
+          <p:spPr>
+            <a:xfrm>
+              <a:off x="1187624" y="836712"/>
+              <a:ext cx="360040" cy="432048"/>
+            </a:xfrm>
+            <a:prstGeom prst="rect">
+              <a:avLst/>
+            </a:prstGeom>
+            <a:solidFill>
+              <a:srgbClr val="92D050"/>
+            </a:solidFill>
+            <a:ln>
+              <a:noFill/>
+            </a:ln>
+            <a:effectLst>
+              <a:outerShdw blurRad="50800" dist="38100" dir="5400000" algn="t" rotWithShape="0">
+                <a:prstClr val="black">
+                  <a:alpha val="40000"/>
+                </a:prstClr>
+              </a:outerShdw>
+            </a:effectLst>
+            <a:scene3d>
+              <a:camera prst="orthographicFront">
+                <a:rot lat="0" lon="0" rev="0"/>
+              </a:camera>
+              <a:lightRig rig="contrasting" dir="t">
+                <a:rot lat="0" lon="0" rev="1500000"/>
+              </a:lightRig>
+            </a:scene3d>
+            <a:sp3d prstMaterial="metal">
+              <a:bevelT w="88900" h="88900"/>
+            </a:sp3d>
+          </p:spPr>
+          <p:style>
+            <a:lnRef idx="2">
+              <a:schemeClr val="accent1">
+                <a:shade val="50000"/>
+              </a:schemeClr>
+            </a:lnRef>
+            <a:fillRef idx="1">
+              <a:schemeClr val="accent1"/>
+            </a:fillRef>
+            <a:effectRef idx="0">
+              <a:schemeClr val="accent1"/>
+            </a:effectRef>
+            <a:fontRef idx="minor">
+              <a:schemeClr val="lt1"/>
+            </a:fontRef>
+          </p:style>
+          <p:txBody>
+            <a:bodyPr rtlCol="0" anchor="ctr"/>
+            <a:lstStyle/>
+            <a:p>
+              <a:pPr algn="ctr"/>
+              <a:r>
+                <a:rPr lang="es-AR" b="1" dirty="0" smtClean="0"/>
+                <a:t>1.</a:t>
+              </a:r>
+              <a:endParaRPr lang="es-AR" b="1" dirty="0"/>
+            </a:p>
+          </p:txBody>
+        </p:sp>
+      </p:grpSp>
+    </p:spTree>
+  </p:cSld>
+  <p:clrMapOvr>
+    <a:masterClrMapping/>
+  </p:clrMapOvr>
+</p:sld>
+</file>
+
+<file path=ppt/slides/slide19.xml><?xml version="1.0" encoding="utf-8"?>
+<p:sld xmlns:a="http://schemas.openxmlformats.org/drawingml/2006/main" xmlns:r="http://schemas.openxmlformats.org/officeDocument/2006/relationships" xmlns:p="http://schemas.openxmlformats.org/presentationml/2006/main">
+  <p:cSld>
+    <p:spTree>
+      <p:nvGrpSpPr>
+        <p:cNvPr id="1" name=""/>
+        <p:cNvGrpSpPr/>
+        <p:nvPr/>
+      </p:nvGrpSpPr>
+      <p:grpSpPr>
+        <a:xfrm>
+          <a:off x="0" y="0"/>
+          <a:ext cx="0" cy="0"/>
+          <a:chOff x="0" y="0"/>
+          <a:chExt cx="0" cy="0"/>
+        </a:xfrm>
+      </p:grpSpPr>
+      <p:grpSp>
+        <p:nvGrpSpPr>
+          <p:cNvPr id="10" name="9 Grupo"/>
+          <p:cNvGrpSpPr/>
+          <p:nvPr/>
+        </p:nvGrpSpPr>
+        <p:grpSpPr>
+          <a:xfrm>
+            <a:off x="0" y="0"/>
+            <a:ext cx="13001625" cy="6905625"/>
+            <a:chOff x="0" y="0"/>
+            <a:chExt cx="13001625" cy="6905625"/>
+          </a:xfrm>
+        </p:grpSpPr>
+        <p:pic>
+          <p:nvPicPr>
+            <p:cNvPr id="4098" name="Picture 2"/>
+            <p:cNvPicPr>
+              <a:picLocks noChangeAspect="1" noChangeArrowheads="1"/>
+            </p:cNvPicPr>
+            <p:nvPr/>
+          </p:nvPicPr>
+          <p:blipFill>
+            <a:blip r:embed="rId2" cstate="print"/>
+            <a:srcRect/>
+            <a:stretch>
+              <a:fillRect/>
+            </a:stretch>
+          </p:blipFill>
+          <p:spPr bwMode="auto">
+            <a:xfrm>
+              <a:off x="0" y="0"/>
+              <a:ext cx="13001625" cy="6905625"/>
+            </a:xfrm>
+            <a:prstGeom prst="rect">
+              <a:avLst/>
+            </a:prstGeom>
+            <a:noFill/>
+            <a:ln w="9525">
+              <a:noFill/>
+              <a:miter lim="800000"/>
+              <a:headEnd/>
+              <a:tailEnd/>
+            </a:ln>
+          </p:spPr>
+        </p:pic>
+        <p:sp>
+          <p:nvSpPr>
+            <p:cNvPr id="8" name="7 Rectángulo redondeado"/>
+            <p:cNvSpPr/>
+            <p:nvPr/>
+          </p:nvSpPr>
+          <p:spPr>
+            <a:xfrm>
+              <a:off x="395536" y="260648"/>
+              <a:ext cx="2016224" cy="1440160"/>
+            </a:xfrm>
+            <a:prstGeom prst="roundRect">
+              <a:avLst/>
+            </a:prstGeom>
+            <a:noFill/>
+            <a:ln w="50800">
+              <a:solidFill>
+                <a:srgbClr val="92D050"/>
+              </a:solidFill>
+            </a:ln>
+          </p:spPr>
+          <p:style>
+            <a:lnRef idx="2">
+              <a:schemeClr val="accent1">
+                <a:shade val="50000"/>
+              </a:schemeClr>
+            </a:lnRef>
+            <a:fillRef idx="1">
+              <a:schemeClr val="accent1"/>
+            </a:fillRef>
+            <a:effectRef idx="0">
+              <a:schemeClr val="accent1"/>
+            </a:effectRef>
+            <a:fontRef idx="minor">
+              <a:schemeClr val="lt1"/>
+            </a:fontRef>
+          </p:style>
+          <p:txBody>
+            <a:bodyPr rtlCol="0" anchor="ctr"/>
+            <a:lstStyle/>
+            <a:p>
+              <a:pPr algn="ctr"/>
+              <a:endParaRPr lang="es-AR"/>
+            </a:p>
+          </p:txBody>
+        </p:sp>
+        <p:sp>
+          <p:nvSpPr>
+            <p:cNvPr id="9" name="8 Rectángulo"/>
+            <p:cNvSpPr/>
+            <p:nvPr/>
+          </p:nvSpPr>
+          <p:spPr>
+            <a:xfrm>
+              <a:off x="2555776" y="836712"/>
+              <a:ext cx="360040" cy="432048"/>
+            </a:xfrm>
+            <a:prstGeom prst="rect">
+              <a:avLst/>
+            </a:prstGeom>
+            <a:solidFill>
+              <a:srgbClr val="92D050"/>
+            </a:solidFill>
+            <a:ln>
+              <a:noFill/>
+            </a:ln>
+            <a:effectLst>
+              <a:outerShdw blurRad="50800" dist="38100" dir="5400000" algn="t" rotWithShape="0">
+                <a:prstClr val="black">
+                  <a:alpha val="40000"/>
+                </a:prstClr>
+              </a:outerShdw>
+            </a:effectLst>
+            <a:scene3d>
+              <a:camera prst="orthographicFront">
+                <a:rot lat="0" lon="0" rev="0"/>
+              </a:camera>
+              <a:lightRig rig="contrasting" dir="t">
+                <a:rot lat="0" lon="0" rev="1500000"/>
+              </a:lightRig>
+            </a:scene3d>
+            <a:sp3d prstMaterial="metal">
+              <a:bevelT w="88900" h="88900"/>
+            </a:sp3d>
+          </p:spPr>
+          <p:style>
+            <a:lnRef idx="2">
+              <a:schemeClr val="accent1">
+                <a:shade val="50000"/>
+              </a:schemeClr>
+            </a:lnRef>
+            <a:fillRef idx="1">
+              <a:schemeClr val="accent1"/>
+            </a:fillRef>
+            <a:effectRef idx="0">
+              <a:schemeClr val="accent1"/>
+            </a:effectRef>
+            <a:fontRef idx="minor">
+              <a:schemeClr val="lt1"/>
+            </a:fontRef>
+          </p:style>
+          <p:txBody>
+            <a:bodyPr rtlCol="0" anchor="ctr"/>
+            <a:lstStyle/>
+            <a:p>
+              <a:pPr algn="ctr"/>
+              <a:r>
+                <a:rPr lang="es-AR" b="1" dirty="0" smtClean="0"/>
+                <a:t>1.</a:t>
+              </a:r>
+              <a:endParaRPr lang="es-AR" b="1" dirty="0"/>
             </a:p>
           </p:txBody>
         </p:sp>
@@ -6652,11 +7590,7 @@
               <a:pPr algn="ctr"/>
               <a:r>
                 <a:rPr lang="es-AR" b="1" dirty="0" smtClean="0"/>
-                <a:t>2</a:t>
-              </a:r>
-              <a:r>
-                <a:rPr lang="es-AR" b="1" dirty="0" smtClean="0"/>
-                <a:t>.</a:t>
+                <a:t>2.</a:t>
               </a:r>
               <a:endParaRPr lang="es-AR" b="1" dirty="0"/>
             </a:p>
@@ -6724,11 +7658,7 @@
               <a:pPr algn="ctr"/>
               <a:r>
                 <a:rPr lang="es-AR" b="1" dirty="0" smtClean="0"/>
-                <a:t>3</a:t>
-              </a:r>
-              <a:r>
-                <a:rPr lang="es-AR" b="1" dirty="0" smtClean="0"/>
-                <a:t>.</a:t>
+                <a:t>3.</a:t>
               </a:r>
               <a:endParaRPr lang="es-AR" b="1" dirty="0"/>
             </a:p>
@@ -6936,11 +7866,7 @@
               <a:pPr algn="ctr"/>
               <a:r>
                 <a:rPr lang="es-AR" b="1" dirty="0" smtClean="0"/>
-                <a:t>5</a:t>
-              </a:r>
-              <a:r>
-                <a:rPr lang="es-AR" b="1" dirty="0" smtClean="0"/>
-                <a:t>.</a:t>
+                <a:t>5.</a:t>
               </a:r>
               <a:endParaRPr lang="es-AR" b="1" dirty="0"/>
             </a:p>
@@ -7054,11 +7980,7 @@
               <a:pPr algn="ctr"/>
               <a:r>
                 <a:rPr lang="es-AR" b="1" dirty="0" smtClean="0"/>
-                <a:t>4</a:t>
-              </a:r>
-              <a:r>
-                <a:rPr lang="es-AR" b="1" dirty="0" smtClean="0"/>
-                <a:t>.</a:t>
+                <a:t>4.</a:t>
               </a:r>
               <a:endParaRPr lang="es-AR" b="1" dirty="0"/>
             </a:p>
@@ -7172,11 +8094,7 @@
               <a:pPr algn="ctr"/>
               <a:r>
                 <a:rPr lang="es-AR" b="1" dirty="0" smtClean="0"/>
-                <a:t>2</a:t>
-              </a:r>
-              <a:r>
-                <a:rPr lang="es-AR" b="1" dirty="0" smtClean="0"/>
-                <a:t>.</a:t>
+                <a:t>2.</a:t>
               </a:r>
               <a:endParaRPr lang="es-AR" b="1" dirty="0"/>
             </a:p>
@@ -7638,11 +8556,7 @@
               <a:pPr algn="ctr"/>
               <a:r>
                 <a:rPr lang="es-AR" b="1" dirty="0" smtClean="0"/>
-                <a:t>5</a:t>
-              </a:r>
-              <a:r>
-                <a:rPr lang="es-AR" b="1" dirty="0" smtClean="0"/>
-                <a:t>.</a:t>
+                <a:t>5.</a:t>
               </a:r>
               <a:endParaRPr lang="es-AR" b="1" dirty="0"/>
             </a:p>
@@ -7756,11 +8670,7 @@
               <a:pPr algn="ctr"/>
               <a:r>
                 <a:rPr lang="es-AR" b="1" dirty="0" smtClean="0"/>
-                <a:t>4</a:t>
-              </a:r>
-              <a:r>
-                <a:rPr lang="es-AR" b="1" dirty="0" smtClean="0"/>
-                <a:t>.</a:t>
+                <a:t>4.</a:t>
               </a:r>
               <a:endParaRPr lang="es-AR" b="1" dirty="0"/>
             </a:p>
@@ -7874,11 +8784,7 @@
               <a:pPr algn="ctr"/>
               <a:r>
                 <a:rPr lang="es-AR" b="1" dirty="0" smtClean="0"/>
-                <a:t>2</a:t>
-              </a:r>
-              <a:r>
-                <a:rPr lang="es-AR" b="1" dirty="0" smtClean="0"/>
-                <a:t>.</a:t>
+                <a:t>2.</a:t>
               </a:r>
               <a:endParaRPr lang="es-AR" b="1" dirty="0"/>
             </a:p>
